--- a/docs/diagrams/ModelComponentClassDiagram.pptx
+++ b/docs/diagrams/ModelComponentClassDiagram.pptx
@@ -208,7 +208,7 @@
           <a:p>
             <a:fld id="{F5CC4B3F-88C1-4FFA-B1B6-F41C21DC6924}" type="datetimeFigureOut">
               <a:rPr lang="en-US" smtClean="0"/>
-              <a:t>12/5/2018</a:t>
+              <a:t>4/2/2019</a:t>
             </a:fld>
             <a:endParaRPr lang="en-US"/>
           </a:p>
@@ -654,7 +654,7 @@
           <a:p>
             <a:fld id="{78C97017-6FC3-485B-9764-EAC9E56C1D49}" type="datetimeFigureOut">
               <a:rPr lang="en-US" smtClean="0"/>
-              <a:t>12/5/2018</a:t>
+              <a:t>4/2/2019</a:t>
             </a:fld>
             <a:endParaRPr lang="en-US"/>
           </a:p>
@@ -822,7 +822,7 @@
           <a:p>
             <a:fld id="{78C97017-6FC3-485B-9764-EAC9E56C1D49}" type="datetimeFigureOut">
               <a:rPr lang="en-US" smtClean="0"/>
-              <a:t>12/5/2018</a:t>
+              <a:t>4/2/2019</a:t>
             </a:fld>
             <a:endParaRPr lang="en-US"/>
           </a:p>
@@ -1000,7 +1000,7 @@
           <a:p>
             <a:fld id="{78C97017-6FC3-485B-9764-EAC9E56C1D49}" type="datetimeFigureOut">
               <a:rPr lang="en-US" smtClean="0"/>
-              <a:t>12/5/2018</a:t>
+              <a:t>4/2/2019</a:t>
             </a:fld>
             <a:endParaRPr lang="en-US"/>
           </a:p>
@@ -1168,7 +1168,7 @@
           <a:p>
             <a:fld id="{78C97017-6FC3-485B-9764-EAC9E56C1D49}" type="datetimeFigureOut">
               <a:rPr lang="en-US" smtClean="0"/>
-              <a:t>12/5/2018</a:t>
+              <a:t>4/2/2019</a:t>
             </a:fld>
             <a:endParaRPr lang="en-US"/>
           </a:p>
@@ -1413,7 +1413,7 @@
           <a:p>
             <a:fld id="{78C97017-6FC3-485B-9764-EAC9E56C1D49}" type="datetimeFigureOut">
               <a:rPr lang="en-US" smtClean="0"/>
-              <a:t>12/5/2018</a:t>
+              <a:t>4/2/2019</a:t>
             </a:fld>
             <a:endParaRPr lang="en-US"/>
           </a:p>
@@ -1698,7 +1698,7 @@
           <a:p>
             <a:fld id="{78C97017-6FC3-485B-9764-EAC9E56C1D49}" type="datetimeFigureOut">
               <a:rPr lang="en-US" smtClean="0"/>
-              <a:t>12/5/2018</a:t>
+              <a:t>4/2/2019</a:t>
             </a:fld>
             <a:endParaRPr lang="en-US"/>
           </a:p>
@@ -2117,7 +2117,7 @@
           <a:p>
             <a:fld id="{78C97017-6FC3-485B-9764-EAC9E56C1D49}" type="datetimeFigureOut">
               <a:rPr lang="en-US" smtClean="0"/>
-              <a:t>12/5/2018</a:t>
+              <a:t>4/2/2019</a:t>
             </a:fld>
             <a:endParaRPr lang="en-US"/>
           </a:p>
@@ -2234,7 +2234,7 @@
           <a:p>
             <a:fld id="{78C97017-6FC3-485B-9764-EAC9E56C1D49}" type="datetimeFigureOut">
               <a:rPr lang="en-US" smtClean="0"/>
-              <a:t>12/5/2018</a:t>
+              <a:t>4/2/2019</a:t>
             </a:fld>
             <a:endParaRPr lang="en-US"/>
           </a:p>
@@ -2329,7 +2329,7 @@
           <a:p>
             <a:fld id="{78C97017-6FC3-485B-9764-EAC9E56C1D49}" type="datetimeFigureOut">
               <a:rPr lang="en-US" smtClean="0"/>
-              <a:t>12/5/2018</a:t>
+              <a:t>4/2/2019</a:t>
             </a:fld>
             <a:endParaRPr lang="en-US"/>
           </a:p>
@@ -2604,7 +2604,7 @@
           <a:p>
             <a:fld id="{78C97017-6FC3-485B-9764-EAC9E56C1D49}" type="datetimeFigureOut">
               <a:rPr lang="en-US" smtClean="0"/>
-              <a:t>12/5/2018</a:t>
+              <a:t>4/2/2019</a:t>
             </a:fld>
             <a:endParaRPr lang="en-US"/>
           </a:p>
@@ -2856,7 +2856,7 @@
           <a:p>
             <a:fld id="{78C97017-6FC3-485B-9764-EAC9E56C1D49}" type="datetimeFigureOut">
               <a:rPr lang="en-US" smtClean="0"/>
-              <a:t>12/5/2018</a:t>
+              <a:t>4/2/2019</a:t>
             </a:fld>
             <a:endParaRPr lang="en-US"/>
           </a:p>
@@ -3067,7 +3067,7 @@
           <a:p>
             <a:fld id="{78C97017-6FC3-485B-9764-EAC9E56C1D49}" type="datetimeFigureOut">
               <a:rPr lang="en-US" smtClean="0"/>
-              <a:t>12/5/2018</a:t>
+              <a:t>4/2/2019</a:t>
             </a:fld>
             <a:endParaRPr lang="en-US"/>
           </a:p>
@@ -3450,8 +3450,8 @@
         </p:nvSpPr>
         <p:spPr>
           <a:xfrm>
-            <a:off x="1119865" y="1600200"/>
-            <a:ext cx="7490735" cy="3124200"/>
+            <a:off x="762000" y="1604032"/>
+            <a:ext cx="7471909" cy="3124200"/>
           </a:xfrm>
           <a:prstGeom prst="roundRect">
             <a:avLst>
@@ -3567,8 +3567,8 @@
         </p:nvSpPr>
         <p:spPr>
           <a:xfrm rot="16200000">
-            <a:off x="1661548" y="3097750"/>
-            <a:ext cx="1093635" cy="346760"/>
+            <a:off x="1543274" y="2979476"/>
+            <a:ext cx="1330184" cy="346760"/>
           </a:xfrm>
           <a:prstGeom prst="rect">
             <a:avLst/>
@@ -3623,20 +3623,17 @@
           <p:cNvPr id="107" name="Elbow Connector 106"/>
           <p:cNvCxnSpPr>
             <a:cxnSpLocks/>
-            <a:stCxn id="9" idx="1"/>
             <a:endCxn id="62" idx="2"/>
           </p:cNvCxnSpPr>
           <p:nvPr/>
         </p:nvCxnSpPr>
         <p:spPr>
-          <a:xfrm rot="5400000" flipH="1" flipV="1">
-            <a:off x="4131507" y="1281685"/>
-            <a:ext cx="613122" cy="4459404"/>
-          </a:xfrm>
-          <a:prstGeom prst="bentConnector3">
-            <a:avLst>
-              <a:gd name="adj1" fmla="val -26668"/>
-            </a:avLst>
+          <a:xfrm flipV="1">
+            <a:off x="2208366" y="3197959"/>
+            <a:ext cx="4034188" cy="755225"/>
+          </a:xfrm>
+          <a:prstGeom prst="bentConnector2">
+            <a:avLst/>
           </a:prstGeom>
           <a:ln w="19050">
             <a:solidFill>
@@ -3951,78 +3948,25 @@
           </a:p>
         </p:txBody>
       </p:sp>
-      <p:sp>
-        <p:nvSpPr>
-          <p:cNvPr id="46" name="Rectangle 8"/>
-          <p:cNvSpPr/>
-          <p:nvPr/>
-        </p:nvSpPr>
-        <p:spPr>
-          <a:xfrm>
-            <a:off x="2825280" y="2846162"/>
-            <a:ext cx="1490560" cy="334856"/>
-          </a:xfrm>
-          <a:prstGeom prst="rect">
-            <a:avLst/>
-          </a:prstGeom>
-          <a:ln w="19050">
-            <a:solidFill>
-              <a:srgbClr val="7030A0"/>
-            </a:solidFill>
-          </a:ln>
-          <a:effectLst/>
-        </p:spPr>
-        <p:style>
-          <a:lnRef idx="1">
-            <a:schemeClr val="accent4"/>
-          </a:lnRef>
-          <a:fillRef idx="2">
-            <a:schemeClr val="accent4"/>
-          </a:fillRef>
-          <a:effectRef idx="1">
-            <a:schemeClr val="accent4"/>
-          </a:effectRef>
-          <a:fontRef idx="minor">
-            <a:schemeClr val="dk1"/>
-          </a:fontRef>
-        </p:style>
-        <p:txBody>
-          <a:bodyPr rtlCol="0" anchor="ctr"/>
-          <a:lstStyle/>
-          <a:p>
-            <a:pPr algn="ctr"/>
-            <a:r>
-              <a:rPr lang="en-US" sz="1050" dirty="0" err="1">
-                <a:solidFill>
-                  <a:srgbClr val="7030A0"/>
-                </a:solidFill>
-              </a:rPr>
-              <a:t>VersionedAddressBook</a:t>
-            </a:r>
-            <a:endParaRPr lang="en-SG" sz="1050" dirty="0">
-              <a:solidFill>
-                <a:srgbClr val="7030A0"/>
-              </a:solidFill>
-            </a:endParaRPr>
-          </a:p>
-        </p:txBody>
-      </p:sp>
       <p:cxnSp>
         <p:nvCxnSpPr>
           <p:cNvPr id="47" name="Straight Arrow Connector 46"/>
           <p:cNvCxnSpPr>
+            <a:cxnSpLocks/>
             <a:stCxn id="48" idx="3"/>
-            <a:endCxn id="46" idx="1"/>
+            <a:endCxn id="55" idx="1"/>
           </p:cNvCxnSpPr>
           <p:nvPr/>
         </p:nvCxnSpPr>
         <p:spPr>
           <a:xfrm>
             <a:off x="2624360" y="3003033"/>
-            <a:ext cx="200920" cy="10557"/>
-          </a:xfrm>
-          <a:prstGeom prst="straightConnector1">
-            <a:avLst/>
+            <a:ext cx="204553" cy="824"/>
+          </a:xfrm>
+          <a:prstGeom prst="bentConnector3">
+            <a:avLst>
+              <a:gd name="adj1" fmla="val 50000"/>
+            </a:avLst>
           </a:prstGeom>
           <a:ln w="19050">
             <a:solidFill>
@@ -4101,7 +4045,7 @@
         </p:nvSpPr>
         <p:spPr>
           <a:xfrm>
-            <a:off x="4692650" y="2846162"/>
+            <a:off x="4267434" y="2839295"/>
             <a:ext cx="1156969" cy="346760"/>
           </a:xfrm>
           <a:prstGeom prst="rect">
@@ -4139,7 +4083,7 @@
                   <a:srgbClr val="7030A0"/>
                 </a:solidFill>
               </a:rPr>
-              <a:t>UniquePersonList</a:t>
+              <a:t>UniqueEntryList</a:t>
             </a:r>
             <a:endParaRPr lang="en-SG" sz="1050" dirty="0">
               <a:solidFill>
@@ -4157,7 +4101,7 @@
         </p:nvSpPr>
         <p:spPr>
           <a:xfrm>
-            <a:off x="4324972" y="2920532"/>
+            <a:off x="3899756" y="2913665"/>
             <a:ext cx="236048" cy="173380"/>
           </a:xfrm>
           <a:prstGeom prst="flowChartDecision">
@@ -4204,7 +4148,7 @@
         </p:nvSpPr>
         <p:spPr>
           <a:xfrm>
-            <a:off x="6313677" y="2858066"/>
+            <a:off x="5888461" y="2851199"/>
             <a:ext cx="708186" cy="346760"/>
           </a:xfrm>
           <a:prstGeom prst="rect">
@@ -4242,7 +4186,7 @@
                   <a:srgbClr val="7030A0"/>
                 </a:solidFill>
               </a:rPr>
-              <a:t>Person</a:t>
+              <a:t>Entry</a:t>
             </a:r>
             <a:endParaRPr lang="en-SG" sz="1050" dirty="0">
               <a:solidFill>
@@ -4260,7 +4204,7 @@
         </p:nvSpPr>
         <p:spPr>
           <a:xfrm>
-            <a:off x="5858751" y="2941676"/>
+            <a:off x="5433535" y="2934809"/>
             <a:ext cx="236048" cy="173380"/>
           </a:xfrm>
           <a:prstGeom prst="flowChartDecision">
@@ -4308,7 +4252,7 @@
         </p:nvCxnSpPr>
         <p:spPr>
           <a:xfrm>
-            <a:off x="6094799" y="3028366"/>
+            <a:off x="5669583" y="3021499"/>
             <a:ext cx="218878" cy="3080"/>
           </a:xfrm>
           <a:prstGeom prst="bentConnector3">
@@ -4346,8 +4290,8 @@
         </p:nvSpPr>
         <p:spPr>
           <a:xfrm>
-            <a:off x="7712397" y="2564238"/>
-            <a:ext cx="708186" cy="285783"/>
+            <a:off x="7287180" y="2557371"/>
+            <a:ext cx="822003" cy="285783"/>
           </a:xfrm>
           <a:prstGeom prst="rect">
             <a:avLst/>
@@ -4384,7 +4328,7 @@
                   <a:srgbClr val="7030A0"/>
                 </a:solidFill>
               </a:rPr>
-              <a:t>Name</a:t>
+              <a:t>Title</a:t>
             </a:r>
             <a:endParaRPr lang="en-SG" sz="1050" dirty="0">
               <a:solidFill>
@@ -4402,7 +4346,7 @@
         </p:nvSpPr>
         <p:spPr>
           <a:xfrm>
-            <a:off x="7041947" y="2948201"/>
+            <a:off x="6616731" y="2941334"/>
             <a:ext cx="236048" cy="173380"/>
           </a:xfrm>
           <a:prstGeom prst="flowChartDecision">
@@ -4451,7 +4395,7 @@
         </p:nvCxnSpPr>
         <p:spPr>
           <a:xfrm flipV="1">
-            <a:off x="7277995" y="2706821"/>
+            <a:off x="6852779" y="2699954"/>
             <a:ext cx="434402" cy="327761"/>
           </a:xfrm>
           <a:prstGeom prst="bentConnector3">
@@ -4489,8 +4433,8 @@
         </p:nvSpPr>
         <p:spPr>
           <a:xfrm>
-            <a:off x="7712397" y="2887216"/>
-            <a:ext cx="708186" cy="285783"/>
+            <a:off x="7287180" y="2880349"/>
+            <a:ext cx="822003" cy="285783"/>
           </a:xfrm>
           <a:prstGeom prst="rect">
             <a:avLst/>
@@ -4527,7 +4471,7 @@
                   <a:srgbClr val="7030A0"/>
                 </a:solidFill>
               </a:rPr>
-              <a:t>Phone</a:t>
+              <a:t>Description</a:t>
             </a:r>
             <a:endParaRPr lang="en-SG" sz="1050" dirty="0">
               <a:solidFill>
@@ -4541,6 +4485,7 @@
         <p:nvCxnSpPr>
           <p:cNvPr id="81" name="Elbow Connector 80"/>
           <p:cNvCxnSpPr>
+            <a:cxnSpLocks/>
             <a:stCxn id="78" idx="3"/>
             <a:endCxn id="80" idx="1"/>
           </p:cNvCxnSpPr>
@@ -4548,8 +4493,8 @@
         </p:nvCxnSpPr>
         <p:spPr>
           <a:xfrm flipV="1">
-            <a:off x="7277995" y="3030108"/>
-            <a:ext cx="434402" cy="4783"/>
+            <a:off x="6852779" y="3023241"/>
+            <a:ext cx="434401" cy="4783"/>
           </a:xfrm>
           <a:prstGeom prst="bentConnector3">
             <a:avLst/>
@@ -4586,8 +4531,8 @@
         </p:nvSpPr>
         <p:spPr>
           <a:xfrm>
-            <a:off x="7712397" y="3210194"/>
-            <a:ext cx="708186" cy="285783"/>
+            <a:off x="7287180" y="3203327"/>
+            <a:ext cx="822003" cy="285783"/>
           </a:xfrm>
           <a:prstGeom prst="rect">
             <a:avLst/>
@@ -4624,7 +4569,7 @@
                   <a:srgbClr val="7030A0"/>
                 </a:solidFill>
               </a:rPr>
-              <a:t>Email</a:t>
+              <a:t>Link</a:t>
             </a:r>
             <a:endParaRPr lang="en-SG" sz="1050" dirty="0">
               <a:solidFill>
@@ -4638,6 +4583,7 @@
         <p:nvCxnSpPr>
           <p:cNvPr id="84" name="Elbow Connector 83"/>
           <p:cNvCxnSpPr>
+            <a:cxnSpLocks/>
             <a:stCxn id="78" idx="3"/>
             <a:endCxn id="83" idx="1"/>
           </p:cNvCxnSpPr>
@@ -4645,8 +4591,8 @@
         </p:nvCxnSpPr>
         <p:spPr>
           <a:xfrm>
-            <a:off x="7277995" y="3034891"/>
-            <a:ext cx="434402" cy="318195"/>
+            <a:off x="6852779" y="3028024"/>
+            <a:ext cx="434401" cy="318195"/>
           </a:xfrm>
           <a:prstGeom prst="bentConnector3">
             <a:avLst/>
@@ -4677,14 +4623,14 @@
       </p:cxnSp>
       <p:sp>
         <p:nvSpPr>
-          <p:cNvPr id="85" name="Rectangle 8"/>
+          <p:cNvPr id="100" name="Rectangle 8"/>
           <p:cNvSpPr/>
           <p:nvPr/>
         </p:nvSpPr>
         <p:spPr>
           <a:xfrm>
-            <a:off x="7712397" y="3533171"/>
-            <a:ext cx="708186" cy="285783"/>
+            <a:off x="3989874" y="2226894"/>
+            <a:ext cx="1443661" cy="364396"/>
           </a:xfrm>
           <a:prstGeom prst="rect">
             <a:avLst/>
@@ -4721,7 +4667,22 @@
                   <a:srgbClr val="7030A0"/>
                 </a:solidFill>
               </a:rPr>
-              <a:t>Address</a:t>
+              <a:t>&lt;&lt;interface&gt;&gt;</a:t>
+            </a:r>
+            <a:br>
+              <a:rPr lang="en-US" sz="1050" dirty="0">
+                <a:solidFill>
+                  <a:srgbClr val="7030A0"/>
+                </a:solidFill>
+              </a:rPr>
+            </a:br>
+            <a:r>
+              <a:rPr lang="en-US" sz="1050" dirty="0" err="1">
+                <a:solidFill>
+                  <a:srgbClr val="7030A0"/>
+                </a:solidFill>
+              </a:rPr>
+              <a:t>ReadOnlyEntryBook</a:t>
             </a:r>
             <a:endParaRPr lang="en-SG" sz="1050" dirty="0">
               <a:solidFill>
@@ -4731,21 +4692,582 @@
           </a:p>
         </p:txBody>
       </p:sp>
+      <p:sp>
+        <p:nvSpPr>
+          <p:cNvPr id="114" name="TextBox 113"/>
+          <p:cNvSpPr txBox="1"/>
+          <p:nvPr/>
+        </p:nvSpPr>
+        <p:spPr>
+          <a:xfrm rot="16200000">
+            <a:off x="5927372" y="3579437"/>
+            <a:ext cx="881018" cy="261610"/>
+          </a:xfrm>
+          <a:prstGeom prst="rect">
+            <a:avLst/>
+          </a:prstGeom>
+          <a:noFill/>
+        </p:spPr>
+        <p:txBody>
+          <a:bodyPr wrap="square" rtlCol="0">
+            <a:spAutoFit/>
+          </a:bodyPr>
+          <a:lstStyle/>
+          <a:p>
+            <a:pPr algn="r"/>
+            <a:r>
+              <a:rPr lang="en-US" sz="1100" dirty="0">
+                <a:solidFill>
+                  <a:srgbClr val="7030A0"/>
+                </a:solidFill>
+              </a:rPr>
+              <a:t>filtered list</a:t>
+            </a:r>
+            <a:endParaRPr lang="en-SG" sz="1100" dirty="0">
+              <a:solidFill>
+                <a:srgbClr val="7030A0"/>
+              </a:solidFill>
+            </a:endParaRPr>
+          </a:p>
+        </p:txBody>
+      </p:sp>
+      <p:sp>
+        <p:nvSpPr>
+          <p:cNvPr id="122" name="Rectangle 8"/>
+          <p:cNvSpPr/>
+          <p:nvPr/>
+        </p:nvSpPr>
+        <p:spPr>
+          <a:xfrm>
+            <a:off x="2057401" y="4239491"/>
+            <a:ext cx="1066800" cy="346760"/>
+          </a:xfrm>
+          <a:prstGeom prst="rect">
+            <a:avLst/>
+          </a:prstGeom>
+          <a:ln w="19050">
+            <a:solidFill>
+              <a:srgbClr val="7030A0"/>
+            </a:solidFill>
+          </a:ln>
+          <a:effectLst/>
+        </p:spPr>
+        <p:style>
+          <a:lnRef idx="1">
+            <a:schemeClr val="accent4"/>
+          </a:lnRef>
+          <a:fillRef idx="2">
+            <a:schemeClr val="accent4"/>
+          </a:fillRef>
+          <a:effectRef idx="1">
+            <a:schemeClr val="accent4"/>
+          </a:effectRef>
+          <a:fontRef idx="minor">
+            <a:schemeClr val="dk1"/>
+          </a:fontRef>
+        </p:style>
+        <p:txBody>
+          <a:bodyPr rtlCol="0" anchor="ctr"/>
+          <a:lstStyle/>
+          <a:p>
+            <a:pPr algn="ctr"/>
+            <a:r>
+              <a:rPr lang="en-US" sz="1050" dirty="0">
+                <a:solidFill>
+                  <a:srgbClr val="7030A0"/>
+                </a:solidFill>
+              </a:rPr>
+              <a:t>&lt;&lt;interface&gt;&gt;</a:t>
+            </a:r>
+            <a:br>
+              <a:rPr lang="en-US" sz="1050">
+                <a:solidFill>
+                  <a:srgbClr val="7030A0"/>
+                </a:solidFill>
+              </a:rPr>
+            </a:br>
+            <a:r>
+              <a:rPr lang="en-US" sz="1050" dirty="0" err="1">
+                <a:solidFill>
+                  <a:srgbClr val="7030A0"/>
+                </a:solidFill>
+              </a:rPr>
+              <a:t>ObservableList</a:t>
+            </a:r>
+            <a:endParaRPr lang="en-SG" sz="1050" dirty="0">
+              <a:solidFill>
+                <a:srgbClr val="7030A0"/>
+              </a:solidFill>
+            </a:endParaRPr>
+          </a:p>
+        </p:txBody>
+      </p:sp>
       <p:cxnSp>
         <p:nvCxnSpPr>
-          <p:cNvPr id="86" name="Elbow Connector 85"/>
+          <p:cNvPr id="124" name="Elbow Connector 122"/>
           <p:cNvCxnSpPr>
-            <a:stCxn id="78" idx="3"/>
-            <a:endCxn id="85" idx="1"/>
+            <a:stCxn id="119" idx="1"/>
+            <a:endCxn id="122" idx="1"/>
           </p:cNvCxnSpPr>
           <p:nvPr/>
         </p:nvCxnSpPr>
         <p:spPr>
+          <a:xfrm rot="16200000" flipH="1">
+            <a:off x="1364475" y="3719944"/>
+            <a:ext cx="831471" cy="554381"/>
+          </a:xfrm>
+          <a:prstGeom prst="bentConnector2">
+            <a:avLst/>
+          </a:prstGeom>
+          <a:ln w="19050">
+            <a:solidFill>
+              <a:srgbClr val="7030A0"/>
+            </a:solidFill>
+            <a:prstDash val="sysDot"/>
+            <a:headEnd type="none" w="med" len="med"/>
+            <a:tailEnd type="arrow" w="med" len="med"/>
+          </a:ln>
+          <a:effectLst/>
+        </p:spPr>
+        <p:style>
+          <a:lnRef idx="1">
+            <a:schemeClr val="accent2"/>
+          </a:lnRef>
+          <a:fillRef idx="2">
+            <a:schemeClr val="accent2"/>
+          </a:fillRef>
+          <a:effectRef idx="1">
+            <a:schemeClr val="accent2"/>
+          </a:effectRef>
+          <a:fontRef idx="minor">
+            <a:schemeClr val="dk1"/>
+          </a:fontRef>
+        </p:style>
+      </p:cxnSp>
+      <p:sp>
+        <p:nvSpPr>
+          <p:cNvPr id="54" name="TextBox 53"/>
+          <p:cNvSpPr txBox="1"/>
+          <p:nvPr/>
+        </p:nvSpPr>
+        <p:spPr>
           <a:xfrm>
-            <a:off x="7277995" y="3034891"/>
-            <a:ext cx="434402" cy="641172"/>
+            <a:off x="4004763" y="3104612"/>
+            <a:ext cx="189257" cy="178683"/>
+          </a:xfrm>
+          <a:prstGeom prst="rect">
+            <a:avLst/>
+          </a:prstGeom>
+          <a:noFill/>
+        </p:spPr>
+        <p:txBody>
+          <a:bodyPr wrap="square" lIns="0" tIns="0" rIns="0" bIns="0" rtlCol="0">
+            <a:noAutofit/>
+          </a:bodyPr>
+          <a:lstStyle/>
+          <a:p>
+            <a:pPr algn="ctr"/>
+            <a:r>
+              <a:rPr lang="en-US" sz="1100" dirty="0">
+                <a:solidFill>
+                  <a:srgbClr val="7030A0"/>
+                </a:solidFill>
+              </a:rPr>
+              <a:t>1</a:t>
+            </a:r>
+            <a:endParaRPr lang="en-SG" sz="1100" dirty="0">
+              <a:solidFill>
+                <a:srgbClr val="7030A0"/>
+              </a:solidFill>
+            </a:endParaRPr>
+          </a:p>
+        </p:txBody>
+      </p:sp>
+      <p:sp>
+        <p:nvSpPr>
+          <p:cNvPr id="61" name="TextBox 60"/>
+          <p:cNvSpPr txBox="1"/>
+          <p:nvPr/>
+        </p:nvSpPr>
+        <p:spPr>
+          <a:xfrm>
+            <a:off x="5710040" y="3091050"/>
+            <a:ext cx="189257" cy="178683"/>
+          </a:xfrm>
+          <a:prstGeom prst="rect">
+            <a:avLst/>
+          </a:prstGeom>
+          <a:noFill/>
+        </p:spPr>
+        <p:txBody>
+          <a:bodyPr wrap="square" lIns="0" tIns="0" rIns="0" bIns="0" rtlCol="0">
+            <a:noAutofit/>
+          </a:bodyPr>
+          <a:lstStyle/>
+          <a:p>
+            <a:pPr algn="ctr"/>
+            <a:r>
+              <a:rPr lang="en-US" sz="1100" dirty="0">
+                <a:solidFill>
+                  <a:srgbClr val="7030A0"/>
+                </a:solidFill>
+              </a:rPr>
+              <a:t>*</a:t>
+            </a:r>
+            <a:endParaRPr lang="en-SG" sz="1100" dirty="0">
+              <a:solidFill>
+                <a:srgbClr val="7030A0"/>
+              </a:solidFill>
+            </a:endParaRPr>
+          </a:p>
+        </p:txBody>
+      </p:sp>
+      <p:sp>
+        <p:nvSpPr>
+          <p:cNvPr id="65" name="TextBox 64"/>
+          <p:cNvSpPr txBox="1"/>
+          <p:nvPr/>
+        </p:nvSpPr>
+        <p:spPr>
+          <a:xfrm>
+            <a:off x="2573394" y="2756715"/>
+            <a:ext cx="170110" cy="137542"/>
+          </a:xfrm>
+          <a:prstGeom prst="rect">
+            <a:avLst/>
+          </a:prstGeom>
+          <a:noFill/>
+        </p:spPr>
+        <p:txBody>
+          <a:bodyPr wrap="square" lIns="0" tIns="0" rIns="0" bIns="0" rtlCol="0">
+            <a:noAutofit/>
+          </a:bodyPr>
+          <a:lstStyle/>
+          <a:p>
+            <a:pPr algn="ctr"/>
+            <a:r>
+              <a:rPr lang="en-US" sz="1100" dirty="0">
+                <a:solidFill>
+                  <a:srgbClr val="7030A0"/>
+                </a:solidFill>
+              </a:rPr>
+              <a:t>1</a:t>
+            </a:r>
+            <a:endParaRPr lang="en-SG" sz="1100" dirty="0">
+              <a:solidFill>
+                <a:srgbClr val="7030A0"/>
+              </a:solidFill>
+            </a:endParaRPr>
+          </a:p>
+        </p:txBody>
+      </p:sp>
+      <p:sp>
+        <p:nvSpPr>
+          <p:cNvPr id="66" name="TextBox 65"/>
+          <p:cNvSpPr txBox="1"/>
+          <p:nvPr/>
+        </p:nvSpPr>
+        <p:spPr>
+          <a:xfrm>
+            <a:off x="2630191" y="3667737"/>
+            <a:ext cx="189257" cy="178683"/>
+          </a:xfrm>
+          <a:prstGeom prst="rect">
+            <a:avLst/>
+          </a:prstGeom>
+          <a:noFill/>
+        </p:spPr>
+        <p:txBody>
+          <a:bodyPr wrap="square" lIns="0" tIns="0" rIns="0" bIns="0" rtlCol="0">
+            <a:noAutofit/>
+          </a:bodyPr>
+          <a:lstStyle/>
+          <a:p>
+            <a:pPr algn="ctr"/>
+            <a:r>
+              <a:rPr lang="en-US" sz="1100" dirty="0">
+                <a:solidFill>
+                  <a:srgbClr val="7030A0"/>
+                </a:solidFill>
+              </a:rPr>
+              <a:t>1</a:t>
+            </a:r>
+            <a:endParaRPr lang="en-SG" sz="1100" dirty="0">
+              <a:solidFill>
+                <a:srgbClr val="7030A0"/>
+              </a:solidFill>
+            </a:endParaRPr>
+          </a:p>
+        </p:txBody>
+      </p:sp>
+      <p:sp>
+        <p:nvSpPr>
+          <p:cNvPr id="70" name="TextBox 69"/>
+          <p:cNvSpPr txBox="1"/>
+          <p:nvPr/>
+        </p:nvSpPr>
+        <p:spPr>
+          <a:xfrm>
+            <a:off x="6024680" y="3197959"/>
+            <a:ext cx="189257" cy="178683"/>
+          </a:xfrm>
+          <a:prstGeom prst="rect">
+            <a:avLst/>
+          </a:prstGeom>
+          <a:noFill/>
+        </p:spPr>
+        <p:txBody>
+          <a:bodyPr wrap="square" lIns="0" tIns="0" rIns="0" bIns="0" rtlCol="0">
+            <a:noAutofit/>
+          </a:bodyPr>
+          <a:lstStyle/>
+          <a:p>
+            <a:pPr algn="ctr"/>
+            <a:r>
+              <a:rPr lang="en-US" sz="1100" dirty="0">
+                <a:solidFill>
+                  <a:srgbClr val="7030A0"/>
+                </a:solidFill>
+              </a:rPr>
+              <a:t>1</a:t>
+            </a:r>
+            <a:endParaRPr lang="en-SG" sz="1100" dirty="0">
+              <a:solidFill>
+                <a:srgbClr val="7030A0"/>
+              </a:solidFill>
+            </a:endParaRPr>
+          </a:p>
+        </p:txBody>
+      </p:sp>
+      <p:sp>
+        <p:nvSpPr>
+          <p:cNvPr id="52" name="Rectangle 8">
+            <a:extLst>
+              <a:ext uri="{FF2B5EF4-FFF2-40B4-BE49-F238E27FC236}">
+                <a16:creationId xmlns:a16="http://schemas.microsoft.com/office/drawing/2014/main" id="{ABDCDBD2-131A-4B66-A2F2-43BBEE82C773}"/>
+              </a:ext>
+            </a:extLst>
+          </p:cNvPr>
+          <p:cNvSpPr/>
+          <p:nvPr/>
+        </p:nvSpPr>
+        <p:spPr>
+          <a:xfrm>
+            <a:off x="7287180" y="2221950"/>
+            <a:ext cx="822003" cy="285783"/>
+          </a:xfrm>
+          <a:prstGeom prst="rect">
+            <a:avLst/>
+          </a:prstGeom>
+          <a:ln w="19050">
+            <a:solidFill>
+              <a:srgbClr val="7030A0"/>
+            </a:solidFill>
+          </a:ln>
+          <a:effectLst/>
+        </p:spPr>
+        <p:style>
+          <a:lnRef idx="1">
+            <a:schemeClr val="accent4"/>
+          </a:lnRef>
+          <a:fillRef idx="2">
+            <a:schemeClr val="accent4"/>
+          </a:fillRef>
+          <a:effectRef idx="1">
+            <a:schemeClr val="accent4"/>
+          </a:effectRef>
+          <a:fontRef idx="minor">
+            <a:schemeClr val="dk1"/>
+          </a:fontRef>
+        </p:style>
+        <p:txBody>
+          <a:bodyPr rtlCol="0" anchor="ctr"/>
+          <a:lstStyle/>
+          <a:p>
+            <a:pPr algn="ctr"/>
+            <a:r>
+              <a:rPr lang="en-US" sz="1050" dirty="0">
+                <a:solidFill>
+                  <a:srgbClr val="7030A0"/>
+                </a:solidFill>
+              </a:rPr>
+              <a:t>Tag</a:t>
+            </a:r>
+            <a:endParaRPr lang="en-SG" sz="1050" dirty="0">
+              <a:solidFill>
+                <a:srgbClr val="7030A0"/>
+              </a:solidFill>
+            </a:endParaRPr>
+          </a:p>
+        </p:txBody>
+      </p:sp>
+      <p:cxnSp>
+        <p:nvCxnSpPr>
+          <p:cNvPr id="53" name="Elbow Connector 78">
+            <a:extLst>
+              <a:ext uri="{FF2B5EF4-FFF2-40B4-BE49-F238E27FC236}">
+                <a16:creationId xmlns:a16="http://schemas.microsoft.com/office/drawing/2014/main" id="{B97967F8-618A-448B-81FD-CDFD4AF0EC64}"/>
+              </a:ext>
+            </a:extLst>
+          </p:cNvPr>
+          <p:cNvCxnSpPr>
+            <a:cxnSpLocks/>
+            <a:stCxn id="78" idx="3"/>
+            <a:endCxn id="52" idx="1"/>
+          </p:cNvCxnSpPr>
+          <p:nvPr/>
+        </p:nvCxnSpPr>
+        <p:spPr>
+          <a:xfrm flipV="1">
+            <a:off x="6852779" y="2364842"/>
+            <a:ext cx="434401" cy="663182"/>
           </a:xfrm>
           <a:prstGeom prst="bentConnector3">
+            <a:avLst>
+              <a:gd name="adj1" fmla="val 50000"/>
+            </a:avLst>
+          </a:prstGeom>
+          <a:ln w="19050">
+            <a:solidFill>
+              <a:srgbClr val="7030A0"/>
+            </a:solidFill>
+            <a:headEnd type="none" w="med" len="med"/>
+            <a:tailEnd type="arrow" w="med" len="med"/>
+          </a:ln>
+          <a:effectLst/>
+        </p:spPr>
+        <p:style>
+          <a:lnRef idx="1">
+            <a:schemeClr val="accent2"/>
+          </a:lnRef>
+          <a:fillRef idx="2">
+            <a:schemeClr val="accent2"/>
+          </a:fillRef>
+          <a:effectRef idx="1">
+            <a:schemeClr val="accent2"/>
+          </a:effectRef>
+          <a:fontRef idx="minor">
+            <a:schemeClr val="dk1"/>
+          </a:fontRef>
+        </p:style>
+      </p:cxnSp>
+      <p:sp>
+        <p:nvSpPr>
+          <p:cNvPr id="50" name="TextBox 49">
+            <a:extLst>
+              <a:ext uri="{FF2B5EF4-FFF2-40B4-BE49-F238E27FC236}">
+                <a16:creationId xmlns:a16="http://schemas.microsoft.com/office/drawing/2014/main" id="{B3FA9D57-880F-49C4-AD0B-A64E30D6F403}"/>
+              </a:ext>
+            </a:extLst>
+          </p:cNvPr>
+          <p:cNvSpPr txBox="1"/>
+          <p:nvPr/>
+        </p:nvSpPr>
+        <p:spPr>
+          <a:xfrm>
+            <a:off x="7041027" y="2248844"/>
+            <a:ext cx="189257" cy="178683"/>
+          </a:xfrm>
+          <a:prstGeom prst="rect">
+            <a:avLst/>
+          </a:prstGeom>
+          <a:noFill/>
+        </p:spPr>
+        <p:txBody>
+          <a:bodyPr wrap="square" lIns="0" tIns="0" rIns="0" bIns="0" rtlCol="0">
+            <a:noAutofit/>
+          </a:bodyPr>
+          <a:lstStyle/>
+          <a:p>
+            <a:pPr algn="ctr"/>
+            <a:r>
+              <a:rPr lang="en-US" sz="1100" dirty="0">
+                <a:solidFill>
+                  <a:srgbClr val="7030A0"/>
+                </a:solidFill>
+              </a:rPr>
+              <a:t>*</a:t>
+            </a:r>
+            <a:endParaRPr lang="en-SG" sz="1100" dirty="0">
+              <a:solidFill>
+                <a:srgbClr val="7030A0"/>
+              </a:solidFill>
+            </a:endParaRPr>
+          </a:p>
+        </p:txBody>
+      </p:sp>
+      <p:sp>
+        <p:nvSpPr>
+          <p:cNvPr id="55" name="Rectangle 8"/>
+          <p:cNvSpPr/>
+          <p:nvPr/>
+        </p:nvSpPr>
+        <p:spPr>
+          <a:xfrm>
+            <a:off x="2828913" y="2821659"/>
+            <a:ext cx="1060683" cy="364396"/>
+          </a:xfrm>
+          <a:prstGeom prst="rect">
+            <a:avLst/>
+          </a:prstGeom>
+          <a:ln w="19050">
+            <a:solidFill>
+              <a:srgbClr val="7030A0"/>
+            </a:solidFill>
+          </a:ln>
+          <a:effectLst/>
+        </p:spPr>
+        <p:style>
+          <a:lnRef idx="1">
+            <a:schemeClr val="accent4"/>
+          </a:lnRef>
+          <a:fillRef idx="2">
+            <a:schemeClr val="accent4"/>
+          </a:fillRef>
+          <a:effectRef idx="1">
+            <a:schemeClr val="accent4"/>
+          </a:effectRef>
+          <a:fontRef idx="minor">
+            <a:schemeClr val="dk1"/>
+          </a:fontRef>
+        </p:style>
+        <p:txBody>
+          <a:bodyPr rtlCol="0" anchor="ctr"/>
+          <a:lstStyle/>
+          <a:p>
+            <a:pPr algn="ctr"/>
+            <a:r>
+              <a:rPr lang="en-US" sz="1050" dirty="0" err="1">
+                <a:solidFill>
+                  <a:srgbClr val="7030A0"/>
+                </a:solidFill>
+              </a:rPr>
+              <a:t>EntryBook</a:t>
+            </a:r>
+            <a:endParaRPr lang="en-SG" sz="1050" dirty="0">
+              <a:solidFill>
+                <a:srgbClr val="7030A0"/>
+              </a:solidFill>
+            </a:endParaRPr>
+          </a:p>
+        </p:txBody>
+      </p:sp>
+      <p:cxnSp>
+        <p:nvCxnSpPr>
+          <p:cNvPr id="60" name="Straight Arrow Connector 59"/>
+          <p:cNvCxnSpPr>
+            <a:cxnSpLocks/>
+            <a:stCxn id="51" idx="1"/>
+            <a:endCxn id="49" idx="1"/>
+          </p:cNvCxnSpPr>
+          <p:nvPr/>
+        </p:nvCxnSpPr>
+        <p:spPr>
+          <a:xfrm>
+            <a:off x="3899756" y="3000355"/>
+            <a:ext cx="367678" cy="12320"/>
+          </a:xfrm>
+          <a:prstGeom prst="straightConnector1">
             <a:avLst/>
           </a:prstGeom>
           <a:ln w="19050">
@@ -4754,6 +5276,283 @@
             </a:solidFill>
             <a:headEnd type="none" w="med" len="med"/>
             <a:tailEnd type="arrow" w="med" len="med"/>
+          </a:ln>
+          <a:effectLst/>
+        </p:spPr>
+        <p:style>
+          <a:lnRef idx="1">
+            <a:schemeClr val="accent2"/>
+          </a:lnRef>
+          <a:fillRef idx="2">
+            <a:schemeClr val="accent2"/>
+          </a:fillRef>
+          <a:effectRef idx="1">
+            <a:schemeClr val="accent2"/>
+          </a:effectRef>
+          <a:fontRef idx="minor">
+            <a:schemeClr val="dk1"/>
+          </a:fontRef>
+        </p:style>
+      </p:cxnSp>
+      <p:sp>
+        <p:nvSpPr>
+          <p:cNvPr id="68" name="Isosceles Triangle 102"/>
+          <p:cNvSpPr/>
+          <p:nvPr/>
+        </p:nvSpPr>
+        <p:spPr>
+          <a:xfrm rot="5400000">
+            <a:off x="3751458" y="2324967"/>
+            <a:ext cx="271014" cy="187417"/>
+          </a:xfrm>
+          <a:prstGeom prst="triangle">
+            <a:avLst>
+              <a:gd name="adj" fmla="val 44517"/>
+            </a:avLst>
+          </a:prstGeom>
+          <a:solidFill>
+            <a:schemeClr val="accent4">
+              <a:lumMod val="20000"/>
+              <a:lumOff val="80000"/>
+            </a:schemeClr>
+          </a:solidFill>
+          <a:ln w="19050">
+            <a:solidFill>
+              <a:srgbClr val="7030A0"/>
+            </a:solidFill>
+          </a:ln>
+          <a:effectLst/>
+        </p:spPr>
+        <p:style>
+          <a:lnRef idx="1">
+            <a:schemeClr val="accent6"/>
+          </a:lnRef>
+          <a:fillRef idx="2">
+            <a:schemeClr val="accent6"/>
+          </a:fillRef>
+          <a:effectRef idx="1">
+            <a:schemeClr val="accent6"/>
+          </a:effectRef>
+          <a:fontRef idx="minor">
+            <a:schemeClr val="dk1"/>
+          </a:fontRef>
+        </p:style>
+        <p:txBody>
+          <a:bodyPr rtlCol="0" anchor="ctr"/>
+          <a:lstStyle/>
+          <a:p>
+            <a:pPr algn="ctr"/>
+            <a:endParaRPr lang="en-SG" sz="1050"/>
+          </a:p>
+        </p:txBody>
+      </p:sp>
+      <p:cxnSp>
+        <p:nvCxnSpPr>
+          <p:cNvPr id="69" name="Elbow Connector 63"/>
+          <p:cNvCxnSpPr>
+            <a:cxnSpLocks/>
+            <a:stCxn id="68" idx="3"/>
+            <a:endCxn id="55" idx="0"/>
+          </p:cNvCxnSpPr>
+          <p:nvPr/>
+        </p:nvCxnSpPr>
+        <p:spPr>
+          <a:xfrm rot="10800000" flipV="1">
+            <a:off x="3359255" y="2403815"/>
+            <a:ext cx="434002" cy="417843"/>
+          </a:xfrm>
+          <a:prstGeom prst="bentConnector2">
+            <a:avLst/>
+          </a:prstGeom>
+          <a:ln w="19050">
+            <a:solidFill>
+              <a:srgbClr val="7030A0"/>
+            </a:solidFill>
+            <a:prstDash val="sysDot"/>
+            <a:headEnd type="none" w="med" len="med"/>
+            <a:tailEnd type="none" w="med" len="med"/>
+          </a:ln>
+          <a:effectLst/>
+        </p:spPr>
+        <p:style>
+          <a:lnRef idx="1">
+            <a:schemeClr val="accent2"/>
+          </a:lnRef>
+          <a:fillRef idx="2">
+            <a:schemeClr val="accent2"/>
+          </a:fillRef>
+          <a:effectRef idx="1">
+            <a:schemeClr val="accent2"/>
+          </a:effectRef>
+          <a:fontRef idx="minor">
+            <a:schemeClr val="dk1"/>
+          </a:fontRef>
+        </p:style>
+      </p:cxnSp>
+      <p:sp>
+        <p:nvSpPr>
+          <p:cNvPr id="57" name="Rectangle 8">
+            <a:extLst>
+              <a:ext uri="{FF2B5EF4-FFF2-40B4-BE49-F238E27FC236}">
+                <a16:creationId xmlns:a16="http://schemas.microsoft.com/office/drawing/2014/main" id="{6A42DA50-9012-4391-9EF3-285E4FA3FCD8}"/>
+              </a:ext>
+            </a:extLst>
+          </p:cNvPr>
+          <p:cNvSpPr/>
+          <p:nvPr/>
+        </p:nvSpPr>
+        <p:spPr>
+          <a:xfrm>
+            <a:off x="4238892" y="3460864"/>
+            <a:ext cx="1293486" cy="346760"/>
+          </a:xfrm>
+          <a:prstGeom prst="rect">
+            <a:avLst/>
+          </a:prstGeom>
+          <a:ln w="19050">
+            <a:solidFill>
+              <a:srgbClr val="7030A0"/>
+            </a:solidFill>
+          </a:ln>
+          <a:effectLst/>
+        </p:spPr>
+        <p:style>
+          <a:lnRef idx="1">
+            <a:schemeClr val="accent4"/>
+          </a:lnRef>
+          <a:fillRef idx="2">
+            <a:schemeClr val="accent4"/>
+          </a:fillRef>
+          <a:effectRef idx="1">
+            <a:schemeClr val="accent4"/>
+          </a:effectRef>
+          <a:fontRef idx="minor">
+            <a:schemeClr val="dk1"/>
+          </a:fontRef>
+        </p:style>
+        <p:txBody>
+          <a:bodyPr rtlCol="0" anchor="ctr"/>
+          <a:lstStyle/>
+          <a:p>
+            <a:pPr algn="ctr"/>
+            <a:r>
+              <a:rPr lang="en-US" sz="1050" dirty="0">
+                <a:solidFill>
+                  <a:srgbClr val="7030A0"/>
+                </a:solidFill>
+              </a:rPr>
+              <a:t>&lt;&lt;interface&gt;&gt;</a:t>
+            </a:r>
+          </a:p>
+          <a:p>
+            <a:pPr algn="ctr"/>
+            <a:r>
+              <a:rPr lang="en-US" sz="1050" dirty="0" err="1">
+                <a:solidFill>
+                  <a:srgbClr val="7030A0"/>
+                </a:solidFill>
+              </a:rPr>
+              <a:t>ReadOnlyUserPrefs</a:t>
+            </a:r>
+            <a:endParaRPr lang="en-SG" sz="1050" dirty="0">
+              <a:solidFill>
+                <a:srgbClr val="7030A0"/>
+              </a:solidFill>
+            </a:endParaRPr>
+          </a:p>
+        </p:txBody>
+      </p:sp>
+      <p:sp>
+        <p:nvSpPr>
+          <p:cNvPr id="59" name="Isosceles Triangle 102">
+            <a:extLst>
+              <a:ext uri="{FF2B5EF4-FFF2-40B4-BE49-F238E27FC236}">
+                <a16:creationId xmlns:a16="http://schemas.microsoft.com/office/drawing/2014/main" id="{B263B2D7-6E76-465E-B40E-7E2A46254A84}"/>
+              </a:ext>
+            </a:extLst>
+          </p:cNvPr>
+          <p:cNvSpPr/>
+          <p:nvPr/>
+        </p:nvSpPr>
+        <p:spPr>
+          <a:xfrm rot="5400000" flipH="1">
+            <a:off x="3992636" y="3514414"/>
+            <a:ext cx="271014" cy="221497"/>
+          </a:xfrm>
+          <a:prstGeom prst="triangle">
+            <a:avLst>
+              <a:gd name="adj" fmla="val 44517"/>
+            </a:avLst>
+          </a:prstGeom>
+          <a:solidFill>
+            <a:schemeClr val="accent4">
+              <a:lumMod val="20000"/>
+              <a:lumOff val="80000"/>
+            </a:schemeClr>
+          </a:solidFill>
+          <a:ln w="19050">
+            <a:solidFill>
+              <a:srgbClr val="7030A0"/>
+            </a:solidFill>
+          </a:ln>
+          <a:effectLst/>
+        </p:spPr>
+        <p:style>
+          <a:lnRef idx="1">
+            <a:schemeClr val="accent6"/>
+          </a:lnRef>
+          <a:fillRef idx="2">
+            <a:schemeClr val="accent6"/>
+          </a:fillRef>
+          <a:effectRef idx="1">
+            <a:schemeClr val="accent6"/>
+          </a:effectRef>
+          <a:fontRef idx="minor">
+            <a:schemeClr val="dk1"/>
+          </a:fontRef>
+        </p:style>
+        <p:txBody>
+          <a:bodyPr rtlCol="0" anchor="ctr"/>
+          <a:lstStyle/>
+          <a:p>
+            <a:pPr algn="ctr"/>
+            <a:endParaRPr lang="en-SG" sz="1050"/>
+          </a:p>
+        </p:txBody>
+      </p:sp>
+      <p:cxnSp>
+        <p:nvCxnSpPr>
+          <p:cNvPr id="67" name="Elbow Connector 63">
+            <a:extLst>
+              <a:ext uri="{FF2B5EF4-FFF2-40B4-BE49-F238E27FC236}">
+                <a16:creationId xmlns:a16="http://schemas.microsoft.com/office/drawing/2014/main" id="{BA3A25CD-7C1D-4B3B-B294-1B05ABCFECFD}"/>
+              </a:ext>
+            </a:extLst>
+          </p:cNvPr>
+          <p:cNvCxnSpPr>
+            <a:cxnSpLocks/>
+            <a:stCxn id="59" idx="3"/>
+            <a:endCxn id="2" idx="3"/>
+          </p:cNvCxnSpPr>
+          <p:nvPr/>
+        </p:nvCxnSpPr>
+        <p:spPr>
+          <a:xfrm rot="10800000">
+            <a:off x="3703491" y="3636621"/>
+            <a:ext cx="313904" cy="3403"/>
+          </a:xfrm>
+          <a:prstGeom prst="bentConnector3">
+            <a:avLst>
+              <a:gd name="adj1" fmla="val 50000"/>
+            </a:avLst>
+          </a:prstGeom>
+          <a:ln w="19050">
+            <a:solidFill>
+              <a:srgbClr val="7030A0"/>
+            </a:solidFill>
+            <a:prstDash val="sysDot"/>
+            <a:headEnd type="none" w="med" len="med"/>
+            <a:tailEnd type="none" w="med" len="med"/>
           </a:ln>
           <a:effectLst/>
         </p:spPr>
@@ -4774,114 +5573,25 @@
       </p:cxnSp>
       <p:cxnSp>
         <p:nvCxnSpPr>
-          <p:cNvPr id="97" name="Elbow Connector 63"/>
+          <p:cNvPr id="31" name="Straight Connector 30">
+            <a:extLst>
+              <a:ext uri="{FF2B5EF4-FFF2-40B4-BE49-F238E27FC236}">
+                <a16:creationId xmlns:a16="http://schemas.microsoft.com/office/drawing/2014/main" id="{1E7E9B62-7698-4259-B10E-88ECF5E6750E}"/>
+              </a:ext>
+            </a:extLst>
+          </p:cNvPr>
           <p:cNvCxnSpPr>
             <a:cxnSpLocks/>
-            <a:stCxn id="99" idx="3"/>
+            <a:stCxn id="9" idx="1"/>
           </p:cNvCxnSpPr>
           <p:nvPr/>
         </p:nvCxnSpPr>
         <p:spPr>
-          <a:xfrm rot="16200000" flipH="1">
-            <a:off x="3566454" y="2680653"/>
-            <a:ext cx="274076" cy="1"/>
-          </a:xfrm>
-          <a:prstGeom prst="bentConnector3">
-            <a:avLst>
-              <a:gd name="adj1" fmla="val 50000"/>
-            </a:avLst>
-          </a:prstGeom>
-          <a:ln w="19050">
-            <a:solidFill>
-              <a:srgbClr val="7030A0"/>
-            </a:solidFill>
-            <a:prstDash val="sysDot"/>
-            <a:headEnd type="none" w="med" len="med"/>
-            <a:tailEnd type="none" w="med" len="med"/>
-          </a:ln>
-          <a:effectLst/>
-        </p:spPr>
-        <p:style>
-          <a:lnRef idx="1">
-            <a:schemeClr val="accent2"/>
-          </a:lnRef>
-          <a:fillRef idx="2">
-            <a:schemeClr val="accent2"/>
-          </a:fillRef>
-          <a:effectRef idx="1">
-            <a:schemeClr val="accent2"/>
-          </a:effectRef>
-          <a:fontRef idx="minor">
-            <a:schemeClr val="dk1"/>
-          </a:fontRef>
-        </p:style>
-      </p:cxnSp>
-      <p:sp>
-        <p:nvSpPr>
-          <p:cNvPr id="99" name="Isosceles Triangle 102"/>
-          <p:cNvSpPr/>
-          <p:nvPr/>
-        </p:nvSpPr>
-        <p:spPr>
-          <a:xfrm rot="10800000" flipV="1">
-            <a:off x="3562299" y="2386554"/>
-            <a:ext cx="282387" cy="157062"/>
-          </a:xfrm>
-          <a:prstGeom prst="triangle">
-            <a:avLst/>
-          </a:prstGeom>
-          <a:solidFill>
-            <a:schemeClr val="accent4">
-              <a:lumMod val="20000"/>
-              <a:lumOff val="80000"/>
-            </a:schemeClr>
-          </a:solidFill>
-          <a:ln w="19050">
-            <a:solidFill>
-              <a:srgbClr val="7030A0"/>
-            </a:solidFill>
-          </a:ln>
-          <a:effectLst/>
-        </p:spPr>
-        <p:style>
-          <a:lnRef idx="1">
-            <a:schemeClr val="accent4"/>
-          </a:lnRef>
-          <a:fillRef idx="2">
-            <a:schemeClr val="accent4"/>
-          </a:fillRef>
-          <a:effectRef idx="1">
-            <a:schemeClr val="accent4"/>
-          </a:effectRef>
-          <a:fontRef idx="minor">
-            <a:schemeClr val="dk1"/>
-          </a:fontRef>
-        </p:style>
-        <p:txBody>
-          <a:bodyPr rtlCol="0" anchor="ctr"/>
-          <a:lstStyle/>
-          <a:p>
-            <a:pPr algn="ctr"/>
-            <a:endParaRPr lang="en-SG" sz="1050" b="1">
-              <a:solidFill>
-                <a:srgbClr val="92D050"/>
-              </a:solidFill>
-            </a:endParaRPr>
-          </a:p>
-        </p:txBody>
-      </p:sp>
-      <p:sp>
-        <p:nvSpPr>
-          <p:cNvPr id="100" name="Rectangle 8"/>
-          <p:cNvSpPr/>
-          <p:nvPr/>
-        </p:nvSpPr>
-        <p:spPr>
           <a:xfrm>
-            <a:off x="1260922" y="1998350"/>
-            <a:ext cx="1443661" cy="364396"/>
-          </a:xfrm>
-          <a:prstGeom prst="rect">
+            <a:off x="2208366" y="3817948"/>
+            <a:ext cx="0" cy="139068"/>
+          </a:xfrm>
+          <a:prstGeom prst="line">
             <a:avLst/>
           </a:prstGeom>
           <a:ln w="19050">
@@ -4889,934 +5599,19 @@
               <a:srgbClr val="7030A0"/>
             </a:solidFill>
           </a:ln>
-          <a:effectLst/>
         </p:spPr>
         <p:style>
           <a:lnRef idx="1">
             <a:schemeClr val="accent4"/>
           </a:lnRef>
-          <a:fillRef idx="2">
+          <a:fillRef idx="0">
             <a:schemeClr val="accent4"/>
           </a:fillRef>
-          <a:effectRef idx="1">
+          <a:effectRef idx="0">
             <a:schemeClr val="accent4"/>
           </a:effectRef>
           <a:fontRef idx="minor">
-            <a:schemeClr val="dk1"/>
-          </a:fontRef>
-        </p:style>
-        <p:txBody>
-          <a:bodyPr rtlCol="0" anchor="ctr"/>
-          <a:lstStyle/>
-          <a:p>
-            <a:pPr algn="ctr"/>
-            <a:r>
-              <a:rPr lang="en-US" sz="1050" dirty="0">
-                <a:solidFill>
-                  <a:srgbClr val="7030A0"/>
-                </a:solidFill>
-              </a:rPr>
-              <a:t>&lt;&lt;interface&gt;&gt;</a:t>
-            </a:r>
-            <a:br>
-              <a:rPr lang="en-US" sz="1050" dirty="0">
-                <a:solidFill>
-                  <a:srgbClr val="7030A0"/>
-                </a:solidFill>
-              </a:rPr>
-            </a:br>
-            <a:r>
-              <a:rPr lang="en-US" sz="1050" dirty="0" err="1">
-                <a:solidFill>
-                  <a:srgbClr val="7030A0"/>
-                </a:solidFill>
-              </a:rPr>
-              <a:t>ReadOnlyAddressBook</a:t>
-            </a:r>
-            <a:endParaRPr lang="en-SG" sz="1050" dirty="0">
-              <a:solidFill>
-                <a:srgbClr val="7030A0"/>
-              </a:solidFill>
-            </a:endParaRPr>
-          </a:p>
-        </p:txBody>
-      </p:sp>
-      <p:sp>
-        <p:nvSpPr>
-          <p:cNvPr id="114" name="TextBox 113"/>
-          <p:cNvSpPr txBox="1"/>
-          <p:nvPr/>
-        </p:nvSpPr>
-        <p:spPr>
-          <a:xfrm rot="16200000">
-            <a:off x="6362886" y="3586305"/>
-            <a:ext cx="881018" cy="261610"/>
-          </a:xfrm>
-          <a:prstGeom prst="rect">
-            <a:avLst/>
-          </a:prstGeom>
-          <a:noFill/>
-        </p:spPr>
-        <p:txBody>
-          <a:bodyPr wrap="square" rtlCol="0">
-            <a:spAutoFit/>
-          </a:bodyPr>
-          <a:lstStyle/>
-          <a:p>
-            <a:pPr algn="r"/>
-            <a:r>
-              <a:rPr lang="en-US" sz="1100" dirty="0">
-                <a:solidFill>
-                  <a:srgbClr val="7030A0"/>
-                </a:solidFill>
-              </a:rPr>
-              <a:t>filtered list</a:t>
-            </a:r>
-            <a:endParaRPr lang="en-SG" sz="1100" dirty="0">
-              <a:solidFill>
-                <a:srgbClr val="7030A0"/>
-              </a:solidFill>
-            </a:endParaRPr>
-          </a:p>
-        </p:txBody>
-      </p:sp>
-      <p:sp>
-        <p:nvSpPr>
-          <p:cNvPr id="122" name="Rectangle 8"/>
-          <p:cNvSpPr/>
-          <p:nvPr/>
-        </p:nvSpPr>
-        <p:spPr>
-          <a:xfrm>
-            <a:off x="2057401" y="4239491"/>
-            <a:ext cx="1066800" cy="346760"/>
-          </a:xfrm>
-          <a:prstGeom prst="rect">
-            <a:avLst/>
-          </a:prstGeom>
-          <a:ln w="19050">
-            <a:solidFill>
-              <a:srgbClr val="7030A0"/>
-            </a:solidFill>
-          </a:ln>
-          <a:effectLst/>
-        </p:spPr>
-        <p:style>
-          <a:lnRef idx="1">
-            <a:schemeClr val="accent4"/>
-          </a:lnRef>
-          <a:fillRef idx="2">
-            <a:schemeClr val="accent4"/>
-          </a:fillRef>
-          <a:effectRef idx="1">
-            <a:schemeClr val="accent4"/>
-          </a:effectRef>
-          <a:fontRef idx="minor">
-            <a:schemeClr val="dk1"/>
-          </a:fontRef>
-        </p:style>
-        <p:txBody>
-          <a:bodyPr rtlCol="0" anchor="ctr"/>
-          <a:lstStyle/>
-          <a:p>
-            <a:pPr algn="ctr"/>
-            <a:r>
-              <a:rPr lang="en-US" sz="1050" dirty="0">
-                <a:solidFill>
-                  <a:srgbClr val="7030A0"/>
-                </a:solidFill>
-              </a:rPr>
-              <a:t>&lt;&lt;interface&gt;&gt;</a:t>
-            </a:r>
-            <a:br>
-              <a:rPr lang="en-US" sz="1050">
-                <a:solidFill>
-                  <a:srgbClr val="7030A0"/>
-                </a:solidFill>
-              </a:rPr>
-            </a:br>
-            <a:r>
-              <a:rPr lang="en-US" sz="1050" dirty="0" err="1">
-                <a:solidFill>
-                  <a:srgbClr val="7030A0"/>
-                </a:solidFill>
-              </a:rPr>
-              <a:t>ObservableList</a:t>
-            </a:r>
-            <a:endParaRPr lang="en-SG" sz="1050" dirty="0">
-              <a:solidFill>
-                <a:srgbClr val="7030A0"/>
-              </a:solidFill>
-            </a:endParaRPr>
-          </a:p>
-        </p:txBody>
-      </p:sp>
-      <p:cxnSp>
-        <p:nvCxnSpPr>
-          <p:cNvPr id="124" name="Elbow Connector 122"/>
-          <p:cNvCxnSpPr>
-            <a:stCxn id="119" idx="1"/>
-            <a:endCxn id="122" idx="1"/>
-          </p:cNvCxnSpPr>
-          <p:nvPr/>
-        </p:nvCxnSpPr>
-        <p:spPr>
-          <a:xfrm rot="16200000" flipH="1">
-            <a:off x="1364475" y="3719944"/>
-            <a:ext cx="831471" cy="554381"/>
-          </a:xfrm>
-          <a:prstGeom prst="bentConnector2">
-            <a:avLst/>
-          </a:prstGeom>
-          <a:ln w="19050">
-            <a:solidFill>
-              <a:srgbClr val="7030A0"/>
-            </a:solidFill>
-            <a:prstDash val="sysDot"/>
-            <a:headEnd type="none" w="med" len="med"/>
-            <a:tailEnd type="arrow" w="med" len="med"/>
-          </a:ln>
-          <a:effectLst/>
-        </p:spPr>
-        <p:style>
-          <a:lnRef idx="1">
-            <a:schemeClr val="accent2"/>
-          </a:lnRef>
-          <a:fillRef idx="2">
-            <a:schemeClr val="accent2"/>
-          </a:fillRef>
-          <a:effectRef idx="1">
-            <a:schemeClr val="accent2"/>
-          </a:effectRef>
-          <a:fontRef idx="minor">
-            <a:schemeClr val="dk1"/>
-          </a:fontRef>
-        </p:style>
-      </p:cxnSp>
-      <p:sp>
-        <p:nvSpPr>
-          <p:cNvPr id="54" name="TextBox 53"/>
-          <p:cNvSpPr txBox="1"/>
-          <p:nvPr/>
-        </p:nvSpPr>
-        <p:spPr>
-          <a:xfrm>
-            <a:off x="4429979" y="3111479"/>
-            <a:ext cx="189257" cy="178683"/>
-          </a:xfrm>
-          <a:prstGeom prst="rect">
-            <a:avLst/>
-          </a:prstGeom>
-          <a:noFill/>
-        </p:spPr>
-        <p:txBody>
-          <a:bodyPr wrap="square" lIns="0" tIns="0" rIns="0" bIns="0" rtlCol="0">
-            <a:noAutofit/>
-          </a:bodyPr>
-          <a:lstStyle/>
-          <a:p>
-            <a:pPr algn="ctr"/>
-            <a:r>
-              <a:rPr lang="en-US" sz="1100" dirty="0">
-                <a:solidFill>
-                  <a:srgbClr val="7030A0"/>
-                </a:solidFill>
-              </a:rPr>
-              <a:t>1</a:t>
-            </a:r>
-            <a:endParaRPr lang="en-SG" sz="1100" dirty="0">
-              <a:solidFill>
-                <a:srgbClr val="7030A0"/>
-              </a:solidFill>
-            </a:endParaRPr>
-          </a:p>
-        </p:txBody>
-      </p:sp>
-      <p:sp>
-        <p:nvSpPr>
-          <p:cNvPr id="61" name="TextBox 60"/>
-          <p:cNvSpPr txBox="1"/>
-          <p:nvPr/>
-        </p:nvSpPr>
-        <p:spPr>
-          <a:xfrm>
-            <a:off x="6135256" y="3097917"/>
-            <a:ext cx="189257" cy="178683"/>
-          </a:xfrm>
-          <a:prstGeom prst="rect">
-            <a:avLst/>
-          </a:prstGeom>
-          <a:noFill/>
-        </p:spPr>
-        <p:txBody>
-          <a:bodyPr wrap="square" lIns="0" tIns="0" rIns="0" bIns="0" rtlCol="0">
-            <a:noAutofit/>
-          </a:bodyPr>
-          <a:lstStyle/>
-          <a:p>
-            <a:pPr algn="ctr"/>
-            <a:r>
-              <a:rPr lang="en-US" sz="1100" dirty="0">
-                <a:solidFill>
-                  <a:srgbClr val="7030A0"/>
-                </a:solidFill>
-              </a:rPr>
-              <a:t>*</a:t>
-            </a:r>
-            <a:endParaRPr lang="en-SG" sz="1100" dirty="0">
-              <a:solidFill>
-                <a:srgbClr val="7030A0"/>
-              </a:solidFill>
-            </a:endParaRPr>
-          </a:p>
-        </p:txBody>
-      </p:sp>
-      <p:sp>
-        <p:nvSpPr>
-          <p:cNvPr id="65" name="TextBox 64"/>
-          <p:cNvSpPr txBox="1"/>
-          <p:nvPr/>
-        </p:nvSpPr>
-        <p:spPr>
-          <a:xfrm>
-            <a:off x="2573394" y="2756715"/>
-            <a:ext cx="170110" cy="137542"/>
-          </a:xfrm>
-          <a:prstGeom prst="rect">
-            <a:avLst/>
-          </a:prstGeom>
-          <a:noFill/>
-        </p:spPr>
-        <p:txBody>
-          <a:bodyPr wrap="square" lIns="0" tIns="0" rIns="0" bIns="0" rtlCol="0">
-            <a:noAutofit/>
-          </a:bodyPr>
-          <a:lstStyle/>
-          <a:p>
-            <a:pPr algn="ctr"/>
-            <a:r>
-              <a:rPr lang="en-US" sz="1100" dirty="0">
-                <a:solidFill>
-                  <a:srgbClr val="7030A0"/>
-                </a:solidFill>
-              </a:rPr>
-              <a:t>1</a:t>
-            </a:r>
-            <a:endParaRPr lang="en-SG" sz="1100" dirty="0">
-              <a:solidFill>
-                <a:srgbClr val="7030A0"/>
-              </a:solidFill>
-            </a:endParaRPr>
-          </a:p>
-        </p:txBody>
-      </p:sp>
-      <p:sp>
-        <p:nvSpPr>
-          <p:cNvPr id="66" name="TextBox 65"/>
-          <p:cNvSpPr txBox="1"/>
-          <p:nvPr/>
-        </p:nvSpPr>
-        <p:spPr>
-          <a:xfrm>
-            <a:off x="2630191" y="3667737"/>
-            <a:ext cx="189257" cy="178683"/>
-          </a:xfrm>
-          <a:prstGeom prst="rect">
-            <a:avLst/>
-          </a:prstGeom>
-          <a:noFill/>
-        </p:spPr>
-        <p:txBody>
-          <a:bodyPr wrap="square" lIns="0" tIns="0" rIns="0" bIns="0" rtlCol="0">
-            <a:noAutofit/>
-          </a:bodyPr>
-          <a:lstStyle/>
-          <a:p>
-            <a:pPr algn="ctr"/>
-            <a:r>
-              <a:rPr lang="en-US" sz="1100" dirty="0">
-                <a:solidFill>
-                  <a:srgbClr val="7030A0"/>
-                </a:solidFill>
-              </a:rPr>
-              <a:t>1</a:t>
-            </a:r>
-            <a:endParaRPr lang="en-SG" sz="1100" dirty="0">
-              <a:solidFill>
-                <a:srgbClr val="7030A0"/>
-              </a:solidFill>
-            </a:endParaRPr>
-          </a:p>
-        </p:txBody>
-      </p:sp>
-      <p:sp>
-        <p:nvSpPr>
-          <p:cNvPr id="70" name="TextBox 69"/>
-          <p:cNvSpPr txBox="1"/>
-          <p:nvPr/>
-        </p:nvSpPr>
-        <p:spPr>
-          <a:xfrm>
-            <a:off x="6449896" y="3204826"/>
-            <a:ext cx="189257" cy="178683"/>
-          </a:xfrm>
-          <a:prstGeom prst="rect">
-            <a:avLst/>
-          </a:prstGeom>
-          <a:noFill/>
-        </p:spPr>
-        <p:txBody>
-          <a:bodyPr wrap="square" lIns="0" tIns="0" rIns="0" bIns="0" rtlCol="0">
-            <a:noAutofit/>
-          </a:bodyPr>
-          <a:lstStyle/>
-          <a:p>
-            <a:pPr algn="ctr"/>
-            <a:r>
-              <a:rPr lang="en-US" sz="1100" dirty="0">
-                <a:solidFill>
-                  <a:srgbClr val="7030A0"/>
-                </a:solidFill>
-              </a:rPr>
-              <a:t>1</a:t>
-            </a:r>
-            <a:endParaRPr lang="en-SG" sz="1100" dirty="0">
-              <a:solidFill>
-                <a:srgbClr val="7030A0"/>
-              </a:solidFill>
-            </a:endParaRPr>
-          </a:p>
-        </p:txBody>
-      </p:sp>
-      <p:sp>
-        <p:nvSpPr>
-          <p:cNvPr id="52" name="Rectangle 8">
-            <a:extLst>
-              <a:ext uri="{FF2B5EF4-FFF2-40B4-BE49-F238E27FC236}">
-                <a16:creationId xmlns:a16="http://schemas.microsoft.com/office/drawing/2014/main" id="{ABDCDBD2-131A-4B66-A2F2-43BBEE82C773}"/>
-              </a:ext>
-            </a:extLst>
-          </p:cNvPr>
-          <p:cNvSpPr/>
-          <p:nvPr/>
-        </p:nvSpPr>
-        <p:spPr>
-          <a:xfrm>
-            <a:off x="7712397" y="2228817"/>
-            <a:ext cx="708186" cy="285783"/>
-          </a:xfrm>
-          <a:prstGeom prst="rect">
-            <a:avLst/>
-          </a:prstGeom>
-          <a:ln w="19050">
-            <a:solidFill>
-              <a:srgbClr val="7030A0"/>
-            </a:solidFill>
-          </a:ln>
-          <a:effectLst/>
-        </p:spPr>
-        <p:style>
-          <a:lnRef idx="1">
-            <a:schemeClr val="accent4"/>
-          </a:lnRef>
-          <a:fillRef idx="2">
-            <a:schemeClr val="accent4"/>
-          </a:fillRef>
-          <a:effectRef idx="1">
-            <a:schemeClr val="accent4"/>
-          </a:effectRef>
-          <a:fontRef idx="minor">
-            <a:schemeClr val="dk1"/>
-          </a:fontRef>
-        </p:style>
-        <p:txBody>
-          <a:bodyPr rtlCol="0" anchor="ctr"/>
-          <a:lstStyle/>
-          <a:p>
-            <a:pPr algn="ctr"/>
-            <a:r>
-              <a:rPr lang="en-US" sz="1050" dirty="0">
-                <a:solidFill>
-                  <a:srgbClr val="7030A0"/>
-                </a:solidFill>
-              </a:rPr>
-              <a:t>Tag</a:t>
-            </a:r>
-            <a:endParaRPr lang="en-SG" sz="1050" dirty="0">
-              <a:solidFill>
-                <a:srgbClr val="7030A0"/>
-              </a:solidFill>
-            </a:endParaRPr>
-          </a:p>
-        </p:txBody>
-      </p:sp>
-      <p:cxnSp>
-        <p:nvCxnSpPr>
-          <p:cNvPr id="53" name="Elbow Connector 78">
-            <a:extLst>
-              <a:ext uri="{FF2B5EF4-FFF2-40B4-BE49-F238E27FC236}">
-                <a16:creationId xmlns:a16="http://schemas.microsoft.com/office/drawing/2014/main" id="{B97967F8-618A-448B-81FD-CDFD4AF0EC64}"/>
-              </a:ext>
-            </a:extLst>
-          </p:cNvPr>
-          <p:cNvCxnSpPr>
-            <a:cxnSpLocks/>
-            <a:stCxn id="78" idx="3"/>
-            <a:endCxn id="52" idx="1"/>
-          </p:cNvCxnSpPr>
-          <p:nvPr/>
-        </p:nvCxnSpPr>
-        <p:spPr>
-          <a:xfrm flipV="1">
-            <a:off x="7277995" y="2371709"/>
-            <a:ext cx="434402" cy="663182"/>
-          </a:xfrm>
-          <a:prstGeom prst="bentConnector3">
-            <a:avLst>
-              <a:gd name="adj1" fmla="val 50000"/>
-            </a:avLst>
-          </a:prstGeom>
-          <a:ln w="19050">
-            <a:solidFill>
-              <a:srgbClr val="7030A0"/>
-            </a:solidFill>
-            <a:headEnd type="none" w="med" len="med"/>
-            <a:tailEnd type="arrow" w="med" len="med"/>
-          </a:ln>
-          <a:effectLst/>
-        </p:spPr>
-        <p:style>
-          <a:lnRef idx="1">
-            <a:schemeClr val="accent2"/>
-          </a:lnRef>
-          <a:fillRef idx="2">
-            <a:schemeClr val="accent2"/>
-          </a:fillRef>
-          <a:effectRef idx="1">
-            <a:schemeClr val="accent2"/>
-          </a:effectRef>
-          <a:fontRef idx="minor">
-            <a:schemeClr val="dk1"/>
-          </a:fontRef>
-        </p:style>
-      </p:cxnSp>
-      <p:sp>
-        <p:nvSpPr>
-          <p:cNvPr id="50" name="TextBox 49">
-            <a:extLst>
-              <a:ext uri="{FF2B5EF4-FFF2-40B4-BE49-F238E27FC236}">
-                <a16:creationId xmlns:a16="http://schemas.microsoft.com/office/drawing/2014/main" id="{B3FA9D57-880F-49C4-AD0B-A64E30D6F403}"/>
-              </a:ext>
-            </a:extLst>
-          </p:cNvPr>
-          <p:cNvSpPr txBox="1"/>
-          <p:nvPr/>
-        </p:nvSpPr>
-        <p:spPr>
-          <a:xfrm>
-            <a:off x="7466243" y="2255711"/>
-            <a:ext cx="189257" cy="178683"/>
-          </a:xfrm>
-          <a:prstGeom prst="rect">
-            <a:avLst/>
-          </a:prstGeom>
-          <a:noFill/>
-        </p:spPr>
-        <p:txBody>
-          <a:bodyPr wrap="square" lIns="0" tIns="0" rIns="0" bIns="0" rtlCol="0">
-            <a:noAutofit/>
-          </a:bodyPr>
-          <a:lstStyle/>
-          <a:p>
-            <a:pPr algn="ctr"/>
-            <a:r>
-              <a:rPr lang="en-US" sz="1100" dirty="0">
-                <a:solidFill>
-                  <a:srgbClr val="7030A0"/>
-                </a:solidFill>
-              </a:rPr>
-              <a:t>*</a:t>
-            </a:r>
-            <a:endParaRPr lang="en-SG" sz="1100" dirty="0">
-              <a:solidFill>
-                <a:srgbClr val="7030A0"/>
-              </a:solidFill>
-            </a:endParaRPr>
-          </a:p>
-        </p:txBody>
-      </p:sp>
-      <p:sp>
-        <p:nvSpPr>
-          <p:cNvPr id="55" name="Rectangle 8"/>
-          <p:cNvSpPr/>
-          <p:nvPr/>
-        </p:nvSpPr>
-        <p:spPr>
-          <a:xfrm>
-            <a:off x="3170181" y="1998350"/>
-            <a:ext cx="1060683" cy="364396"/>
-          </a:xfrm>
-          <a:prstGeom prst="rect">
-            <a:avLst/>
-          </a:prstGeom>
-          <a:ln w="19050">
-            <a:solidFill>
-              <a:srgbClr val="7030A0"/>
-            </a:solidFill>
-          </a:ln>
-          <a:effectLst/>
-        </p:spPr>
-        <p:style>
-          <a:lnRef idx="1">
-            <a:schemeClr val="accent4"/>
-          </a:lnRef>
-          <a:fillRef idx="2">
-            <a:schemeClr val="accent4"/>
-          </a:fillRef>
-          <a:effectRef idx="1">
-            <a:schemeClr val="accent4"/>
-          </a:effectRef>
-          <a:fontRef idx="minor">
-            <a:schemeClr val="dk1"/>
-          </a:fontRef>
-        </p:style>
-        <p:txBody>
-          <a:bodyPr rtlCol="0" anchor="ctr"/>
-          <a:lstStyle/>
-          <a:p>
-            <a:pPr algn="ctr"/>
-            <a:r>
-              <a:rPr lang="en-US" sz="1050" dirty="0" err="1">
-                <a:solidFill>
-                  <a:srgbClr val="7030A0"/>
-                </a:solidFill>
-              </a:rPr>
-              <a:t>AddressBook</a:t>
-            </a:r>
-            <a:endParaRPr lang="en-SG" sz="1050" dirty="0">
-              <a:solidFill>
-                <a:srgbClr val="7030A0"/>
-              </a:solidFill>
-            </a:endParaRPr>
-          </a:p>
-        </p:txBody>
-      </p:sp>
-      <p:cxnSp>
-        <p:nvCxnSpPr>
-          <p:cNvPr id="60" name="Straight Arrow Connector 59"/>
-          <p:cNvCxnSpPr>
-            <a:stCxn id="51" idx="1"/>
-            <a:endCxn id="49" idx="1"/>
-          </p:cNvCxnSpPr>
-          <p:nvPr/>
-        </p:nvCxnSpPr>
-        <p:spPr>
-          <a:xfrm>
-            <a:off x="4324972" y="3007222"/>
-            <a:ext cx="367678" cy="12320"/>
-          </a:xfrm>
-          <a:prstGeom prst="straightConnector1">
-            <a:avLst/>
-          </a:prstGeom>
-          <a:ln w="19050">
-            <a:solidFill>
-              <a:srgbClr val="7030A0"/>
-            </a:solidFill>
-            <a:headEnd type="none" w="med" len="med"/>
-            <a:tailEnd type="arrow" w="med" len="med"/>
-          </a:ln>
-          <a:effectLst/>
-        </p:spPr>
-        <p:style>
-          <a:lnRef idx="1">
-            <a:schemeClr val="accent2"/>
-          </a:lnRef>
-          <a:fillRef idx="2">
-            <a:schemeClr val="accent2"/>
-          </a:fillRef>
-          <a:effectRef idx="1">
-            <a:schemeClr val="accent2"/>
-          </a:effectRef>
-          <a:fontRef idx="minor">
-            <a:schemeClr val="dk1"/>
-          </a:fontRef>
-        </p:style>
-      </p:cxnSp>
-      <p:sp>
-        <p:nvSpPr>
-          <p:cNvPr id="68" name="Isosceles Triangle 102"/>
-          <p:cNvSpPr/>
-          <p:nvPr/>
-        </p:nvSpPr>
-        <p:spPr>
-          <a:xfrm rot="16200000">
-            <a:off x="2669073" y="2069158"/>
-            <a:ext cx="271014" cy="187417"/>
-          </a:xfrm>
-          <a:prstGeom prst="triangle">
-            <a:avLst>
-              <a:gd name="adj" fmla="val 44517"/>
-            </a:avLst>
-          </a:prstGeom>
-          <a:solidFill>
-            <a:schemeClr val="accent4">
-              <a:lumMod val="20000"/>
-              <a:lumOff val="80000"/>
-            </a:schemeClr>
-          </a:solidFill>
-          <a:ln w="19050">
-            <a:solidFill>
-              <a:srgbClr val="7030A0"/>
-            </a:solidFill>
-          </a:ln>
-          <a:effectLst/>
-        </p:spPr>
-        <p:style>
-          <a:lnRef idx="1">
-            <a:schemeClr val="accent6"/>
-          </a:lnRef>
-          <a:fillRef idx="2">
-            <a:schemeClr val="accent6"/>
-          </a:fillRef>
-          <a:effectRef idx="1">
-            <a:schemeClr val="accent6"/>
-          </a:effectRef>
-          <a:fontRef idx="minor">
-            <a:schemeClr val="dk1"/>
-          </a:fontRef>
-        </p:style>
-        <p:txBody>
-          <a:bodyPr rtlCol="0" anchor="ctr"/>
-          <a:lstStyle/>
-          <a:p>
-            <a:pPr algn="ctr"/>
-            <a:endParaRPr lang="en-SG" sz="1050"/>
-          </a:p>
-        </p:txBody>
-      </p:sp>
-      <p:cxnSp>
-        <p:nvCxnSpPr>
-          <p:cNvPr id="69" name="Elbow Connector 63"/>
-          <p:cNvCxnSpPr>
-            <a:stCxn id="68" idx="3"/>
-            <a:endCxn id="55" idx="1"/>
-          </p:cNvCxnSpPr>
-          <p:nvPr/>
-        </p:nvCxnSpPr>
-        <p:spPr>
-          <a:xfrm>
-            <a:off x="2898289" y="2177727"/>
-            <a:ext cx="271892" cy="2821"/>
-          </a:xfrm>
-          <a:prstGeom prst="bentConnector3">
-            <a:avLst>
-              <a:gd name="adj1" fmla="val 50000"/>
-            </a:avLst>
-          </a:prstGeom>
-          <a:ln w="19050">
-            <a:solidFill>
-              <a:srgbClr val="7030A0"/>
-            </a:solidFill>
-            <a:prstDash val="sysDot"/>
-            <a:headEnd type="none" w="med" len="med"/>
-            <a:tailEnd type="none" w="med" len="med"/>
-          </a:ln>
-          <a:effectLst/>
-        </p:spPr>
-        <p:style>
-          <a:lnRef idx="1">
-            <a:schemeClr val="accent2"/>
-          </a:lnRef>
-          <a:fillRef idx="2">
-            <a:schemeClr val="accent2"/>
-          </a:fillRef>
-          <a:effectRef idx="1">
-            <a:schemeClr val="accent2"/>
-          </a:effectRef>
-          <a:fontRef idx="minor">
-            <a:schemeClr val="dk1"/>
-          </a:fontRef>
-        </p:style>
-      </p:cxnSp>
-      <p:sp>
-        <p:nvSpPr>
-          <p:cNvPr id="57" name="Rectangle 8">
-            <a:extLst>
-              <a:ext uri="{FF2B5EF4-FFF2-40B4-BE49-F238E27FC236}">
-                <a16:creationId xmlns:a16="http://schemas.microsoft.com/office/drawing/2014/main" id="{6A42DA50-9012-4391-9EF3-285E4FA3FCD8}"/>
-              </a:ext>
-            </a:extLst>
-          </p:cNvPr>
-          <p:cNvSpPr/>
-          <p:nvPr/>
-        </p:nvSpPr>
-        <p:spPr>
-          <a:xfrm>
-            <a:off x="4238892" y="3460864"/>
-            <a:ext cx="1293486" cy="346760"/>
-          </a:xfrm>
-          <a:prstGeom prst="rect">
-            <a:avLst/>
-          </a:prstGeom>
-          <a:ln w="19050">
-            <a:solidFill>
-              <a:srgbClr val="7030A0"/>
-            </a:solidFill>
-          </a:ln>
-          <a:effectLst/>
-        </p:spPr>
-        <p:style>
-          <a:lnRef idx="1">
-            <a:schemeClr val="accent4"/>
-          </a:lnRef>
-          <a:fillRef idx="2">
-            <a:schemeClr val="accent4"/>
-          </a:fillRef>
-          <a:effectRef idx="1">
-            <a:schemeClr val="accent4"/>
-          </a:effectRef>
-          <a:fontRef idx="minor">
-            <a:schemeClr val="dk1"/>
-          </a:fontRef>
-        </p:style>
-        <p:txBody>
-          <a:bodyPr rtlCol="0" anchor="ctr"/>
-          <a:lstStyle/>
-          <a:p>
-            <a:pPr algn="ctr"/>
-            <a:r>
-              <a:rPr lang="en-US" sz="1050" dirty="0">
-                <a:solidFill>
-                  <a:srgbClr val="7030A0"/>
-                </a:solidFill>
-              </a:rPr>
-              <a:t>&lt;&lt;interface&gt;&gt;</a:t>
-            </a:r>
-          </a:p>
-          <a:p>
-            <a:pPr algn="ctr"/>
-            <a:r>
-              <a:rPr lang="en-US" sz="1050" dirty="0" err="1">
-                <a:solidFill>
-                  <a:srgbClr val="7030A0"/>
-                </a:solidFill>
-              </a:rPr>
-              <a:t>ReadOnlyUserPrefs</a:t>
-            </a:r>
-            <a:endParaRPr lang="en-SG" sz="1050" dirty="0">
-              <a:solidFill>
-                <a:srgbClr val="7030A0"/>
-              </a:solidFill>
-            </a:endParaRPr>
-          </a:p>
-        </p:txBody>
-      </p:sp>
-      <p:sp>
-        <p:nvSpPr>
-          <p:cNvPr id="59" name="Isosceles Triangle 102">
-            <a:extLst>
-              <a:ext uri="{FF2B5EF4-FFF2-40B4-BE49-F238E27FC236}">
-                <a16:creationId xmlns:a16="http://schemas.microsoft.com/office/drawing/2014/main" id="{B263B2D7-6E76-465E-B40E-7E2A46254A84}"/>
-              </a:ext>
-            </a:extLst>
-          </p:cNvPr>
-          <p:cNvSpPr/>
-          <p:nvPr/>
-        </p:nvSpPr>
-        <p:spPr>
-          <a:xfrm rot="5400000" flipH="1">
-            <a:off x="3992636" y="3514414"/>
-            <a:ext cx="271014" cy="221497"/>
-          </a:xfrm>
-          <a:prstGeom prst="triangle">
-            <a:avLst>
-              <a:gd name="adj" fmla="val 44517"/>
-            </a:avLst>
-          </a:prstGeom>
-          <a:solidFill>
-            <a:schemeClr val="accent4">
-              <a:lumMod val="20000"/>
-              <a:lumOff val="80000"/>
-            </a:schemeClr>
-          </a:solidFill>
-          <a:ln w="19050">
-            <a:solidFill>
-              <a:srgbClr val="7030A0"/>
-            </a:solidFill>
-          </a:ln>
-          <a:effectLst/>
-        </p:spPr>
-        <p:style>
-          <a:lnRef idx="1">
-            <a:schemeClr val="accent6"/>
-          </a:lnRef>
-          <a:fillRef idx="2">
-            <a:schemeClr val="accent6"/>
-          </a:fillRef>
-          <a:effectRef idx="1">
-            <a:schemeClr val="accent6"/>
-          </a:effectRef>
-          <a:fontRef idx="minor">
-            <a:schemeClr val="dk1"/>
-          </a:fontRef>
-        </p:style>
-        <p:txBody>
-          <a:bodyPr rtlCol="0" anchor="ctr"/>
-          <a:lstStyle/>
-          <a:p>
-            <a:pPr algn="ctr"/>
-            <a:endParaRPr lang="en-SG" sz="1050"/>
-          </a:p>
-        </p:txBody>
-      </p:sp>
-      <p:cxnSp>
-        <p:nvCxnSpPr>
-          <p:cNvPr id="67" name="Elbow Connector 63">
-            <a:extLst>
-              <a:ext uri="{FF2B5EF4-FFF2-40B4-BE49-F238E27FC236}">
-                <a16:creationId xmlns:a16="http://schemas.microsoft.com/office/drawing/2014/main" id="{BA3A25CD-7C1D-4B3B-B294-1B05ABCFECFD}"/>
-              </a:ext>
-            </a:extLst>
-          </p:cNvPr>
-          <p:cNvCxnSpPr>
-            <a:cxnSpLocks/>
-            <a:stCxn id="59" idx="3"/>
-            <a:endCxn id="2" idx="3"/>
-          </p:cNvCxnSpPr>
-          <p:nvPr/>
-        </p:nvCxnSpPr>
-        <p:spPr>
-          <a:xfrm rot="10800000">
-            <a:off x="3703491" y="3636621"/>
-            <a:ext cx="313904" cy="3403"/>
-          </a:xfrm>
-          <a:prstGeom prst="bentConnector3">
-            <a:avLst>
-              <a:gd name="adj1" fmla="val 50000"/>
-            </a:avLst>
-          </a:prstGeom>
-          <a:ln w="19050">
-            <a:solidFill>
-              <a:srgbClr val="7030A0"/>
-            </a:solidFill>
-            <a:prstDash val="sysDot"/>
-            <a:headEnd type="none" w="med" len="med"/>
-            <a:tailEnd type="none" w="med" len="med"/>
-          </a:ln>
-          <a:effectLst/>
-        </p:spPr>
-        <p:style>
-          <a:lnRef idx="1">
-            <a:schemeClr val="accent2"/>
-          </a:lnRef>
-          <a:fillRef idx="2">
-            <a:schemeClr val="accent2"/>
-          </a:fillRef>
-          <a:effectRef idx="1">
-            <a:schemeClr val="accent2"/>
-          </a:effectRef>
-          <a:fontRef idx="minor">
-            <a:schemeClr val="dk1"/>
+            <a:schemeClr val="tx1"/>
           </a:fontRef>
         </p:style>
       </p:cxnSp>

--- a/docs/diagrams/ModelComponentClassDiagram.pptx
+++ b/docs/diagrams/ModelComponentClassDiagram.pptx
@@ -4930,7 +4930,7 @@
         </p:nvSpPr>
         <p:spPr>
           <a:xfrm>
-            <a:off x="2573394" y="2756715"/>
+            <a:off x="2649290" y="2792281"/>
             <a:ext cx="170110" cy="137542"/>
           </a:xfrm>
           <a:prstGeom prst="rect">
@@ -4951,7 +4951,7 @@
                   <a:srgbClr val="7030A0"/>
                 </a:solidFill>
               </a:rPr>
-              <a:t>1</a:t>
+              <a:t>4</a:t>
             </a:r>
             <a:endParaRPr lang="en-SG" sz="1100" dirty="0">
               <a:solidFill>
